--- a/2016Fall/Memory Networks (I)/MemN2N--CodeAnalysis.pptx
+++ b/2016Fall/Memory Networks (I)/MemN2N--CodeAnalysis.pptx
@@ -6776,7 +6776,31 @@
               <a:rPr lang="zh-CN" altLang="en-US">
                 <a:latin typeface="Times New Roman" panose="02020603050405020304" charset="0"/>
               </a:rPr>
-              <a:t>batches = zip(range(0, n_train-batch_size, batch_size), range(batch_size, n_train, batch_size))</a:t>
+              <a:t>batches = zip(range(0, n_train-batch_size</a:t>
+            </a:r>
+            <a:r>
+              <a:rPr lang="en-US" altLang="zh-CN">
+                <a:latin typeface="Times New Roman" panose="02020603050405020304" charset="0"/>
+              </a:rPr>
+              <a:t>+1</a:t>
+            </a:r>
+            <a:r>
+              <a:rPr lang="zh-CN" altLang="en-US">
+                <a:latin typeface="Times New Roman" panose="02020603050405020304" charset="0"/>
+              </a:rPr>
+              <a:t>, batch_size), range(batch_size, n_train</a:t>
+            </a:r>
+            <a:r>
+              <a:rPr lang="en-US" altLang="zh-CN">
+                <a:latin typeface="Times New Roman" panose="02020603050405020304" charset="0"/>
+              </a:rPr>
+              <a:t>+1</a:t>
+            </a:r>
+            <a:r>
+              <a:rPr lang="zh-CN" altLang="en-US">
+                <a:latin typeface="Times New Roman" panose="02020603050405020304" charset="0"/>
+              </a:rPr>
+              <a:t>, batch_size))</a:t>
             </a:r>
             <a:endParaRPr lang="zh-CN" altLang="en-US">
               <a:latin typeface="Times New Roman" panose="02020603050405020304" charset="0"/>
@@ -7543,7 +7567,7 @@
                   <a:srgbClr val="FF0000"/>
                 </a:solidFill>
                 <a:latin typeface="Times New Roman" panose="02020603050405020304" charset="0"/>
-                <a:hlinkClick r:id="rId1" tooltip="" action="ppaction://hlinksldjump"/>
+                <a:hlinkClick r:id="rId1" action="ppaction://hlinksldjump"/>
               </a:rPr>
               <a:t>#look_up op</a:t>
             </a:r>
@@ -7587,7 +7611,7 @@
             <a:r>
               <a:rPr lang="en-US" altLang="zh-CN">
                 <a:latin typeface="Times New Roman" panose="02020603050405020304" charset="0"/>
-                <a:hlinkClick r:id="rId2" tooltip="" action="ppaction://hlinksldjump"/>
+                <a:hlinkClick r:id="rId2" action="ppaction://hlinksldjump"/>
               </a:rPr>
               <a:t>#reduce_sum op</a:t>
             </a:r>
@@ -8382,7 +8406,7 @@
             </a:pPr>
             <a:r>
               <a:rPr lang="en-US" altLang="zh-CN" sz="3600">
-                <a:hlinkClick r:id="rId1" tooltip="" action="ppaction://hlinkfile"/>
+                <a:hlinkClick r:id="rId1" action="ppaction://hlinkfile"/>
               </a:rPr>
               <a:t>https://github.com/facebook/MemNN</a:t>
             </a:r>
@@ -9585,7 +9609,7 @@
             <a:r>
               <a:rPr lang="zh-CN" altLang="en-US">
                 <a:latin typeface="Times New Roman" panose="02020603050405020304" charset="0"/>
-                <a:hlinkClick r:id="rId1" tooltip="" action="ppaction://hlinksldjump"/>
+                <a:hlinkClick r:id="rId1" action="ppaction://hlinksldjump"/>
               </a:rPr>
               <a:t>tf.nn.softmax_cross_entropy_with_logits</a:t>
             </a:r>
@@ -9683,7 +9707,6 @@
             </a:pPr>
             <a:r>
               <a:rPr lang="en-US" altLang="zh-CN" sz="2800">
-                <a:ln/>
                 <a:solidFill>
                   <a:schemeClr val="accent1"/>
                 </a:solidFill>
@@ -9698,7 +9721,6 @@
               <a:t>question?</a:t>
             </a:r>
             <a:endParaRPr lang="en-US" altLang="zh-CN" sz="2800">
-              <a:ln/>
               <a:solidFill>
                 <a:schemeClr val="accent1"/>
               </a:solidFill>

--- a/2016Fall/Memory Networks (I)/MemN2N--CodeAnalysis.pptx
+++ b/2016Fall/Memory Networks (I)/MemN2N--CodeAnalysis.pptx
@@ -6888,7 +6888,7 @@
                 <a:latin typeface="Times New Roman" panose="02020603050405020304" charset="0"/>
                 <a:sym typeface="+mn-ea"/>
               </a:rPr>
-              <a:t>: [0,2,4,6]</a:t>
+              <a:t>: [0,2,4,6,8]</a:t>
             </a:r>
             <a:endParaRPr lang="en-US" altLang="zh-CN">
               <a:solidFill>
@@ -6930,7 +6930,7 @@
                 <a:latin typeface="Times New Roman" panose="02020603050405020304" charset="0"/>
                 <a:sym typeface="+mn-ea"/>
               </a:rPr>
-              <a:t>: [2,4,6,8]</a:t>
+              <a:t>: [2,4,6,8,10]</a:t>
             </a:r>
             <a:endParaRPr lang="en-US" altLang="zh-CN">
               <a:solidFill>
@@ -6952,7 +6952,7 @@
                 <a:latin typeface="Times New Roman" panose="02020603050405020304" charset="0"/>
                 <a:sym typeface="+mn-ea"/>
               </a:rPr>
-              <a:t>      zip():[(0,2),(2,4),(4,6),(6,8)]</a:t>
+              <a:t>      zip():[(0,2),(2,4),(4,6),(6,8),(8,10)]</a:t>
             </a:r>
             <a:endParaRPr lang="en-US" altLang="zh-CN">
               <a:solidFill>
